--- a/GraphQL.pptx
+++ b/GraphQL.pptx
@@ -8,9 +8,7 @@
     <p:sldId id="256" r:id="rId2"/>
     <p:sldId id="257" r:id="rId3"/>
     <p:sldId id="260" r:id="rId4"/>
-    <p:sldId id="261" r:id="rId5"/>
-    <p:sldId id="258" r:id="rId6"/>
-    <p:sldId id="259" r:id="rId7"/>
+    <p:sldId id="259" r:id="rId5"/>
   </p:sldIdLst>
   <p:sldSz cx="12192000" cy="6858000"/>
   <p:notesSz cx="6858000" cy="9144000"/>
@@ -109,6 +107,11 @@
       </a:defRPr>
     </a:lvl9pPr>
   </p:defaultTextStyle>
+  <p:extLst>
+    <p:ext uri="{EFAFB233-063F-42B5-8137-9DF3F51BA10A}">
+      <p15:sldGuideLst xmlns:p15="http://schemas.microsoft.com/office/powerpoint/2012/main"/>
+    </p:ext>
+  </p:extLst>
 </p:presentation>
 </file>
 
@@ -261,7 +264,7 @@
           <a:p>
             <a:fld id="{9DDFF309-9DA1-4150-944D-E9510EEA5BA7}" type="datetimeFigureOut">
               <a:rPr lang="de-CH" smtClean="0"/>
-              <a:t>08.11.2019</a:t>
+              <a:t>26.11.2019</a:t>
             </a:fld>
             <a:endParaRPr lang="de-CH"/>
           </a:p>
@@ -461,7 +464,7 @@
           <a:p>
             <a:fld id="{9DDFF309-9DA1-4150-944D-E9510EEA5BA7}" type="datetimeFigureOut">
               <a:rPr lang="de-CH" smtClean="0"/>
-              <a:t>08.11.2019</a:t>
+              <a:t>26.11.2019</a:t>
             </a:fld>
             <a:endParaRPr lang="de-CH"/>
           </a:p>
@@ -671,7 +674,7 @@
           <a:p>
             <a:fld id="{9DDFF309-9DA1-4150-944D-E9510EEA5BA7}" type="datetimeFigureOut">
               <a:rPr lang="de-CH" smtClean="0"/>
-              <a:t>08.11.2019</a:t>
+              <a:t>26.11.2019</a:t>
             </a:fld>
             <a:endParaRPr lang="de-CH"/>
           </a:p>
@@ -871,7 +874,7 @@
           <a:p>
             <a:fld id="{9DDFF309-9DA1-4150-944D-E9510EEA5BA7}" type="datetimeFigureOut">
               <a:rPr lang="de-CH" smtClean="0"/>
-              <a:t>08.11.2019</a:t>
+              <a:t>26.11.2019</a:t>
             </a:fld>
             <a:endParaRPr lang="de-CH"/>
           </a:p>
@@ -1147,7 +1150,7 @@
           <a:p>
             <a:fld id="{9DDFF309-9DA1-4150-944D-E9510EEA5BA7}" type="datetimeFigureOut">
               <a:rPr lang="de-CH" smtClean="0"/>
-              <a:t>08.11.2019</a:t>
+              <a:t>26.11.2019</a:t>
             </a:fld>
             <a:endParaRPr lang="de-CH"/>
           </a:p>
@@ -1415,7 +1418,7 @@
           <a:p>
             <a:fld id="{9DDFF309-9DA1-4150-944D-E9510EEA5BA7}" type="datetimeFigureOut">
               <a:rPr lang="de-CH" smtClean="0"/>
-              <a:t>08.11.2019</a:t>
+              <a:t>26.11.2019</a:t>
             </a:fld>
             <a:endParaRPr lang="de-CH"/>
           </a:p>
@@ -1830,7 +1833,7 @@
           <a:p>
             <a:fld id="{9DDFF309-9DA1-4150-944D-E9510EEA5BA7}" type="datetimeFigureOut">
               <a:rPr lang="de-CH" smtClean="0"/>
-              <a:t>08.11.2019</a:t>
+              <a:t>26.11.2019</a:t>
             </a:fld>
             <a:endParaRPr lang="de-CH"/>
           </a:p>
@@ -1972,7 +1975,7 @@
           <a:p>
             <a:fld id="{9DDFF309-9DA1-4150-944D-E9510EEA5BA7}" type="datetimeFigureOut">
               <a:rPr lang="de-CH" smtClean="0"/>
-              <a:t>08.11.2019</a:t>
+              <a:t>26.11.2019</a:t>
             </a:fld>
             <a:endParaRPr lang="de-CH"/>
           </a:p>
@@ -2085,7 +2088,7 @@
           <a:p>
             <a:fld id="{9DDFF309-9DA1-4150-944D-E9510EEA5BA7}" type="datetimeFigureOut">
               <a:rPr lang="de-CH" smtClean="0"/>
-              <a:t>08.11.2019</a:t>
+              <a:t>26.11.2019</a:t>
             </a:fld>
             <a:endParaRPr lang="de-CH"/>
           </a:p>
@@ -2398,7 +2401,7 @@
           <a:p>
             <a:fld id="{9DDFF309-9DA1-4150-944D-E9510EEA5BA7}" type="datetimeFigureOut">
               <a:rPr lang="de-CH" smtClean="0"/>
-              <a:t>08.11.2019</a:t>
+              <a:t>26.11.2019</a:t>
             </a:fld>
             <a:endParaRPr lang="de-CH"/>
           </a:p>
@@ -2687,7 +2690,7 @@
           <a:p>
             <a:fld id="{9DDFF309-9DA1-4150-944D-E9510EEA5BA7}" type="datetimeFigureOut">
               <a:rPr lang="de-CH" smtClean="0"/>
-              <a:t>08.11.2019</a:t>
+              <a:t>26.11.2019</a:t>
             </a:fld>
             <a:endParaRPr lang="de-CH"/>
           </a:p>
@@ -2930,7 +2933,7 @@
           <a:p>
             <a:fld id="{9DDFF309-9DA1-4150-944D-E9510EEA5BA7}" type="datetimeFigureOut">
               <a:rPr lang="de-CH" smtClean="0"/>
-              <a:t>08.11.2019</a:t>
+              <a:t>26.11.2019</a:t>
             </a:fld>
             <a:endParaRPr lang="de-CH"/>
           </a:p>
@@ -3333,6 +3336,12 @@
 <file path=ppt/slides/slide1.xml><?xml version="1.0" encoding="utf-8"?>
 <p:sld xmlns:a="http://schemas.openxmlformats.org/drawingml/2006/main" xmlns:r="http://schemas.openxmlformats.org/officeDocument/2006/relationships" xmlns:p="http://schemas.openxmlformats.org/presentationml/2006/main">
   <p:cSld>
+    <p:bg>
+      <p:bgPr>
+        <a:noFill/>
+        <a:effectLst/>
+      </p:bgPr>
+    </p:bg>
     <p:spTree>
       <p:nvGrpSpPr>
         <p:cNvPr id="1" name=""/>
@@ -3378,47 +3387,186 @@
       </p:sp>
       <p:sp>
         <p:nvSpPr>
-          <p:cNvPr id="3" name="Untertitel 2">
-            <a:extLst>
-              <a:ext uri="{FF2B5EF4-FFF2-40B4-BE49-F238E27FC236}">
-                <a16:creationId xmlns:a16="http://schemas.microsoft.com/office/drawing/2014/main" id="{55881169-B62A-49AC-A9BE-D3880B76938E}"/>
-              </a:ext>
-            </a:extLst>
-          </p:cNvPr>
-          <p:cNvSpPr>
-            <a:spLocks noGrp="1"/>
-          </p:cNvSpPr>
-          <p:nvPr>
-            <p:ph type="subTitle" idx="1"/>
-          </p:nvPr>
-        </p:nvSpPr>
-        <p:spPr/>
-        <p:txBody>
-          <a:bodyPr/>
-          <a:lstStyle/>
-          <a:p>
-            <a:r>
-              <a:rPr lang="de-CH" dirty="0">
-                <a:hlinkClick r:id="rId2"/>
+          <p:cNvPr id="4" name="Rectangle 2">
+            <a:extLst>
+              <a:ext uri="{FF2B5EF4-FFF2-40B4-BE49-F238E27FC236}">
+                <a16:creationId xmlns:a16="http://schemas.microsoft.com/office/drawing/2014/main" id="{A074243B-DBC5-4EB9-B34D-98226E30DA79}"/>
+              </a:ext>
+            </a:extLst>
+          </p:cNvPr>
+          <p:cNvSpPr>
+            <a:spLocks noChangeArrowheads="1"/>
+          </p:cNvSpPr>
+          <p:nvPr/>
+        </p:nvSpPr>
+        <p:spPr bwMode="auto">
+          <a:xfrm>
+            <a:off x="4897437" y="3927086"/>
+            <a:ext cx="12192000" cy="2446824"/>
+          </a:xfrm>
+          <a:prstGeom prst="rect">
+            <a:avLst/>
+          </a:prstGeom>
+          <a:noFill/>
+          <a:ln>
+            <a:noFill/>
+          </a:ln>
+          <a:effectLst/>
+          <a:extLst>
+            <a:ext uri="{909E8E84-426E-40DD-AFC4-6F175D3DCCD1}">
+              <a14:hiddenFill xmlns:a14="http://schemas.microsoft.com/office/drawing/2010/main">
+                <a:solidFill>
+                  <a:schemeClr val="accent1"/>
+                </a:solidFill>
+              </a14:hiddenFill>
+            </a:ext>
+            <a:ext uri="{91240B29-F687-4F45-9708-019B960494DF}">
+              <a14:hiddenLine xmlns:a14="http://schemas.microsoft.com/office/drawing/2010/main" w="9525">
+                <a:solidFill>
+                  <a:schemeClr val="tx1"/>
+                </a:solidFill>
+                <a:miter lim="800000"/>
+                <a:headEnd/>
+                <a:tailEnd/>
+              </a14:hiddenLine>
+            </a:ext>
+            <a:ext uri="{AF507438-7753-43E0-B8FC-AC1667EBCBE1}">
+              <a14:hiddenEffects xmlns:a14="http://schemas.microsoft.com/office/drawing/2010/main">
+                <a:effectLst>
+                  <a:outerShdw dist="35921" dir="2700000" algn="ctr" rotWithShape="0">
+                    <a:schemeClr val="bg2"/>
+                  </a:outerShdw>
+                </a:effectLst>
+              </a14:hiddenEffects>
+            </a:ext>
+          </a:extLst>
+        </p:spPr>
+        <p:txBody>
+          <a:bodyPr vert="horz" wrap="square" lIns="91440" tIns="45720" rIns="91440" bIns="45720" numCol="1" anchor="ctr" anchorCtr="0" compatLnSpc="1">
+            <a:prstTxWarp prst="textNoShape">
+              <a:avLst/>
+            </a:prstTxWarp>
+            <a:spAutoFit/>
+          </a:bodyPr>
+          <a:lstStyle/>
+          <a:p>
+            <a:pPr marL="0" marR="0" lvl="0" indent="0" algn="l" defTabSz="914400" rtl="0" eaLnBrk="0" fontAlgn="base" latinLnBrk="0" hangingPunct="0">
+              <a:lnSpc>
+                <a:spcPct val="100000"/>
+              </a:lnSpc>
+              <a:spcBef>
+                <a:spcPct val="0"/>
+              </a:spcBef>
+              <a:spcAft>
+                <a:spcPct val="0"/>
+              </a:spcAft>
+              <a:buClrTx/>
+              <a:buSzTx/>
+              <a:buFontTx/>
+              <a:buNone/>
+              <a:tabLst/>
+            </a:pPr>
+            <a:r>
+              <a:rPr kumimoji="0" lang="de-DE" altLang="de-DE" sz="1800" b="0" i="0" u="none" strike="noStrike" cap="none" normalizeH="0" baseline="0" dirty="0">
+                <a:ln>
+                  <a:noFill/>
+                </a:ln>
+                <a:solidFill>
+                  <a:schemeClr val="tx1"/>
+                </a:solidFill>
+                <a:effectLst/>
+                <a:latin typeface="Arial" panose="020B0604020202020204" pitchFamily="34" charset="0"/>
               </a:rPr>
-              <a:t>https://app.pluralsight.com/course-player?clipId=7ac5db65-ac88-41fb-a4d0-54a7d662e32a</a:t>
-            </a:r>
-            <a:endParaRPr lang="de-CH" dirty="0"/>
-          </a:p>
-          <a:p>
-            <a:r>
-              <a:rPr lang="de-CH" dirty="0">
-                <a:hlinkClick r:id="rId3"/>
+              <a:t>  </a:t>
+            </a:r>
+            <a:r>
+              <a:rPr lang="de-DE" altLang="de-DE" sz="13500" dirty="0">
+                <a:latin typeface="Arial" panose="020B0604020202020204" pitchFamily="34" charset="0"/>
               </a:rPr>
-              <a:t>https://medium.com/@JeffLombardJr/when-and-why-to-use-graphql-24f6bce4839d</a:t>
-            </a:r>
-            <a:r>
-              <a:rPr lang="de-CH" dirty="0"/>
-              <a:t> </a:t>
-            </a:r>
-          </a:p>
-        </p:txBody>
-      </p:sp>
+              <a:t>     </a:t>
+            </a:r>
+            <a:endParaRPr lang="de-DE" altLang="de-DE" dirty="0">
+              <a:latin typeface="Arial" panose="020B0604020202020204" pitchFamily="34" charset="0"/>
+            </a:endParaRPr>
+          </a:p>
+          <a:p>
+            <a:pPr marL="0" marR="0" lvl="0" indent="0" algn="l" defTabSz="914400" rtl="0" eaLnBrk="0" fontAlgn="base" latinLnBrk="0" hangingPunct="0">
+              <a:lnSpc>
+                <a:spcPct val="100000"/>
+              </a:lnSpc>
+              <a:spcBef>
+                <a:spcPct val="0"/>
+              </a:spcBef>
+              <a:spcAft>
+                <a:spcPct val="0"/>
+              </a:spcAft>
+              <a:buClrTx/>
+              <a:buSzTx/>
+              <a:buFontTx/>
+              <a:buNone/>
+              <a:tabLst/>
+            </a:pPr>
+            <a:endParaRPr kumimoji="0" lang="de-DE" altLang="de-DE" sz="1800" b="0" i="0" u="none" strike="noStrike" cap="none" normalizeH="0" baseline="0" dirty="0">
+              <a:ln>
+                <a:noFill/>
+              </a:ln>
+              <a:solidFill>
+                <a:schemeClr val="tx1"/>
+              </a:solidFill>
+              <a:effectLst/>
+              <a:latin typeface="Arial" panose="020B0604020202020204" pitchFamily="34" charset="0"/>
+            </a:endParaRPr>
+          </a:p>
+        </p:txBody>
+      </p:sp>
+      <p:pic>
+        <p:nvPicPr>
+          <p:cNvPr id="1027" name="Picture 3" descr="Bildergebnis für graphql">
+            <a:hlinkClick r:id="rId2"/>
+            <a:extLst>
+              <a:ext uri="{FF2B5EF4-FFF2-40B4-BE49-F238E27FC236}">
+                <a16:creationId xmlns:a16="http://schemas.microsoft.com/office/drawing/2014/main" id="{11F5E568-0965-49D6-9A86-55AD2286B66E}"/>
+              </a:ext>
+            </a:extLst>
+          </p:cNvPr>
+          <p:cNvPicPr>
+            <a:picLocks noChangeAspect="1" noChangeArrowheads="1"/>
+          </p:cNvPicPr>
+          <p:nvPr/>
+        </p:nvPicPr>
+        <p:blipFill>
+          <a:blip r:embed="rId3">
+            <a:extLst>
+              <a:ext uri="{28A0092B-C50C-407E-A947-70E740481C1C}">
+                <a14:useLocalDpi xmlns:a14="http://schemas.microsoft.com/office/drawing/2010/main" val="0"/>
+              </a:ext>
+            </a:extLst>
+          </a:blip>
+          <a:srcRect/>
+          <a:stretch>
+            <a:fillRect/>
+          </a:stretch>
+        </p:blipFill>
+        <p:spPr bwMode="auto">
+          <a:xfrm>
+            <a:off x="5024437" y="3669079"/>
+            <a:ext cx="2143125" cy="2143125"/>
+          </a:xfrm>
+          <a:prstGeom prst="rect">
+            <a:avLst/>
+          </a:prstGeom>
+          <a:noFill/>
+          <a:extLst>
+            <a:ext uri="{909E8E84-426E-40DD-AFC4-6F175D3DCCD1}">
+              <a14:hiddenFill xmlns:a14="http://schemas.microsoft.com/office/drawing/2010/main">
+                <a:solidFill>
+                  <a:srgbClr val="FFFFFF"/>
+                </a:solidFill>
+              </a14:hiddenFill>
+            </a:ext>
+          </a:extLst>
+        </p:spPr>
+      </p:pic>
     </p:spTree>
     <p:extLst>
       <p:ext uri="{BB962C8B-B14F-4D97-AF65-F5344CB8AC3E}">
@@ -3500,15 +3648,23 @@
         </p:nvSpPr>
         <p:spPr/>
         <p:txBody>
-          <a:bodyPr/>
+          <a:bodyPr>
+            <a:normAutofit lnSpcReduction="10000"/>
+          </a:bodyPr>
           <a:lstStyle/>
           <a:p>
             <a:r>
               <a:rPr lang="de-CH" dirty="0"/>
-              <a:t>Query Language</a:t>
-            </a:r>
-          </a:p>
-          <a:p>
+              <a:t>Query Language </a:t>
+            </a:r>
+            <a:r>
+              <a:rPr lang="de-CH" dirty="0" err="1"/>
+              <a:t>with</a:t>
+            </a:r>
+            <a:r>
+              <a:rPr lang="de-CH" dirty="0"/>
+              <a:t> </a:t>
+            </a:r>
             <a:r>
               <a:rPr lang="de-CH" dirty="0" err="1"/>
               <a:t>Object</a:t>
@@ -3519,14 +3675,17 @@
             </a:r>
             <a:r>
               <a:rPr lang="de-CH" dirty="0" err="1"/>
-              <a:t>structure</a:t>
+              <a:t>Structure</a:t>
             </a:r>
             <a:endParaRPr lang="de-CH" dirty="0"/>
           </a:p>
           <a:p>
+            <a:endParaRPr lang="de-CH" dirty="0"/>
+          </a:p>
+          <a:p>
             <a:r>
               <a:rPr lang="de-CH" dirty="0"/>
-              <a:t>Select </a:t>
+              <a:t>SQL-Query: Select </a:t>
             </a:r>
             <a:r>
               <a:rPr lang="de-CH" dirty="0" err="1"/>
@@ -3560,37 +3719,37 @@
           </a:p>
           <a:p>
             <a:r>
+              <a:rPr lang="de-CH" dirty="0" err="1"/>
+              <a:t>GraphQL</a:t>
+            </a:r>
+            <a:r>
               <a:rPr lang="de-CH" dirty="0"/>
-              <a:t>{</a:t>
+              <a:t>: </a:t>
             </a:r>
             <a:br>
               <a:rPr lang="de-CH" dirty="0"/>
             </a:br>
             <a:r>
               <a:rPr lang="de-CH" dirty="0"/>
-              <a:t>	</a:t>
-            </a:r>
-            <a:r>
-              <a:rPr lang="de-CH" dirty="0" err="1"/>
-              <a:t>product</a:t>
+              <a:t>{</a:t>
             </a:r>
             <a:br>
               <a:rPr lang="de-CH" dirty="0"/>
             </a:br>
             <a:r>
               <a:rPr lang="de-CH" dirty="0"/>
-              <a:t>	{</a:t>
+              <a:t>	</a:t>
+            </a:r>
+            <a:r>
+              <a:rPr lang="de-CH" dirty="0" err="1"/>
+              <a:t>product</a:t>
             </a:r>
             <a:br>
               <a:rPr lang="de-CH" dirty="0"/>
             </a:br>
             <a:r>
               <a:rPr lang="de-CH" dirty="0"/>
-              <a:t>		</a:t>
-            </a:r>
-            <a:r>
-              <a:rPr lang="de-CH" dirty="0" err="1"/>
-              <a:t>name</a:t>
+              <a:t>	{</a:t>
             </a:r>
             <a:br>
               <a:rPr lang="de-CH" dirty="0"/>
@@ -3601,25 +3760,66 @@
             </a:r>
             <a:r>
               <a:rPr lang="de-CH" dirty="0" err="1"/>
-              <a:t>price</a:t>
+              <a:t>name</a:t>
             </a:r>
             <a:br>
               <a:rPr lang="de-CH" dirty="0"/>
             </a:br>
             <a:r>
               <a:rPr lang="de-CH" dirty="0"/>
-              <a:t>	}</a:t>
+              <a:t>		</a:t>
+            </a:r>
+            <a:r>
+              <a:rPr lang="de-CH" dirty="0" err="1"/>
+              <a:t>price</a:t>
             </a:r>
             <a:br>
               <a:rPr lang="de-CH" dirty="0"/>
             </a:br>
             <a:r>
               <a:rPr lang="de-CH" dirty="0"/>
+              <a:t>	}</a:t>
+            </a:r>
+            <a:br>
+              <a:rPr lang="de-CH" dirty="0"/>
+            </a:br>
+            <a:r>
+              <a:rPr lang="de-CH" dirty="0"/>
               <a:t>}</a:t>
             </a:r>
           </a:p>
         </p:txBody>
       </p:sp>
+      <p:pic>
+        <p:nvPicPr>
+          <p:cNvPr id="4" name="Grafik 3">
+            <a:extLst>
+              <a:ext uri="{FF2B5EF4-FFF2-40B4-BE49-F238E27FC236}">
+                <a16:creationId xmlns:a16="http://schemas.microsoft.com/office/drawing/2014/main" id="{40D61663-678D-4F91-A417-9A57B82458E6}"/>
+              </a:ext>
+            </a:extLst>
+          </p:cNvPr>
+          <p:cNvPicPr>
+            <a:picLocks noChangeAspect="1"/>
+          </p:cNvPicPr>
+          <p:nvPr/>
+        </p:nvPicPr>
+        <p:blipFill>
+          <a:blip r:embed="rId2"/>
+          <a:stretch>
+            <a:fillRect/>
+          </a:stretch>
+        </p:blipFill>
+        <p:spPr>
+          <a:xfrm>
+            <a:off x="6528738" y="3570535"/>
+            <a:ext cx="5048250" cy="2295525"/>
+          </a:xfrm>
+          <a:prstGeom prst="rect">
+            <a:avLst/>
+          </a:prstGeom>
+        </p:spPr>
+      </p:pic>
     </p:spTree>
     <p:extLst>
       <p:ext uri="{BB962C8B-B14F-4D97-AF65-F5344CB8AC3E}">
@@ -3673,16 +3873,13 @@
           <a:p>
             <a:r>
               <a:rPr lang="de-CH" dirty="0"/>
-              <a:t>Wieso </a:t>
+              <a:t>Was ist </a:t>
             </a:r>
             <a:r>
               <a:rPr lang="de-CH" dirty="0" err="1"/>
               <a:t>GraphQL</a:t>
             </a:r>
-            <a:r>
-              <a:rPr lang="de-CH" dirty="0"/>
-              <a:t> (Ausbauen)</a:t>
-            </a:r>
+            <a:endParaRPr lang="de-CH" dirty="0"/>
           </a:p>
         </p:txBody>
       </p:sp>
@@ -3748,56 +3945,31 @@
             </a:r>
             <a:r>
               <a:rPr lang="de-CH" dirty="0"/>
-              <a:t> wissen und nutzen -&gt; </a:t>
-            </a:r>
+              <a:t> wissen und nutzen</a:t>
+            </a:r>
+          </a:p>
+          <a:p>
+            <a:r>
+              <a:rPr lang="de-CH" dirty="0"/>
+              <a:t>REST API:</a:t>
+            </a:r>
+          </a:p>
+          <a:p>
+            <a:endParaRPr lang="de-CH" dirty="0"/>
+          </a:p>
+          <a:p>
+            <a:endParaRPr lang="de-CH" dirty="0"/>
+          </a:p>
+          <a:p>
             <a:r>
               <a:rPr lang="de-CH" dirty="0" err="1"/>
-              <a:t>Vel</a:t>
-            </a:r>
-            <a:r>
-              <a:rPr lang="de-CH" dirty="0"/>
-              <a:t> </a:t>
-            </a:r>
-            <a:r>
-              <a:rPr lang="de-CH" dirty="0" err="1"/>
-              <a:t>dütsch</a:t>
-            </a:r>
-            <a:r>
-              <a:rPr lang="de-CH" dirty="0"/>
-              <a:t> </a:t>
-            </a:r>
-            <a:r>
-              <a:rPr lang="de-CH" dirty="0" err="1"/>
-              <a:t>dude</a:t>
-            </a:r>
-            <a:endParaRPr lang="de-CH" dirty="0"/>
-          </a:p>
-          <a:p>
-            <a:r>
-              <a:rPr lang="de-CH" dirty="0" err="1"/>
-              <a:t>RESTful</a:t>
+              <a:t>GraphQL</a:t>
             </a:r>
             <a:r>
               <a:rPr lang="de-CH" dirty="0"/>
               <a:t>:</a:t>
             </a:r>
           </a:p>
-          <a:p>
-            <a:endParaRPr lang="de-CH" dirty="0"/>
-          </a:p>
-          <a:p>
-            <a:endParaRPr lang="de-CH" dirty="0"/>
-          </a:p>
-          <a:p>
-            <a:r>
-              <a:rPr lang="de-CH" dirty="0" err="1"/>
-              <a:t>GraphQL</a:t>
-            </a:r>
-            <a:r>
-              <a:rPr lang="de-CH" dirty="0"/>
-              <a:t>:</a:t>
-            </a:r>
-          </a:p>
         </p:txBody>
       </p:sp>
       <p:sp>
@@ -3814,7 +3986,7 @@
         </p:nvSpPr>
         <p:spPr>
           <a:xfrm>
-            <a:off x="1238865" y="3256444"/>
+            <a:off x="4032773" y="3265419"/>
             <a:ext cx="1699014" cy="873104"/>
           </a:xfrm>
           <a:prstGeom prst="rect">
@@ -3843,19 +4015,15 @@
           <a:p>
             <a:pPr algn="ctr"/>
             <a:r>
-              <a:rPr lang="de-CH" sz="1400" i="1" dirty="0" err="1"/>
-              <a:t>request</a:t>
+              <a:rPr lang="de-CH" sz="1400" i="1" dirty="0"/>
+              <a:t>Multiple</a:t>
             </a:r>
             <a:br>
-              <a:rPr lang="de-CH" dirty="0"/>
+              <a:rPr lang="de-CH" sz="1400" i="1" dirty="0"/>
             </a:br>
             <a:r>
-              <a:rPr lang="de-CH" dirty="0"/>
-              <a:t>Create a </a:t>
-            </a:r>
-            <a:r>
-              <a:rPr lang="de-CH" dirty="0" err="1"/>
-              <a:t>Product</a:t>
+              <a:rPr lang="de-CH" sz="1400" i="1" dirty="0"/>
+              <a:t>Controllers</a:t>
             </a:r>
             <a:endParaRPr lang="de-CH" dirty="0"/>
           </a:p>
@@ -3875,7 +4043,7 @@
         </p:nvSpPr>
         <p:spPr>
           <a:xfrm>
-            <a:off x="3751007" y="3256444"/>
+            <a:off x="5990868" y="3265419"/>
             <a:ext cx="1699014" cy="873104"/>
           </a:xfrm>
           <a:prstGeom prst="rect">
@@ -3904,32 +4072,10 @@
           <a:p>
             <a:pPr algn="ctr"/>
             <a:r>
-              <a:rPr lang="de-CH" sz="1400" i="1" dirty="0" err="1"/>
-              <a:t>Endpoint</a:t>
-            </a:r>
-            <a:br>
-              <a:rPr lang="de-CH" dirty="0"/>
-            </a:br>
-            <a:r>
-              <a:rPr lang="de-CH" dirty="0"/>
-              <a:t>/</a:t>
-            </a:r>
-            <a:r>
-              <a:rPr lang="de-CH" dirty="0" err="1"/>
-              <a:t>product</a:t>
-            </a:r>
-            <a:r>
-              <a:rPr lang="de-CH" dirty="0"/>
-              <a:t>/{</a:t>
-            </a:r>
-            <a:r>
-              <a:rPr lang="de-CH" dirty="0" err="1"/>
-              <a:t>id</a:t>
-            </a:r>
-            <a:r>
-              <a:rPr lang="de-CH" dirty="0"/>
-              <a:t>}</a:t>
-            </a:r>
+              <a:rPr lang="de-CH" sz="1400" i="1" dirty="0"/>
+              <a:t>Model</a:t>
+            </a:r>
+            <a:endParaRPr lang="de-CH" dirty="0"/>
           </a:p>
         </p:txBody>
       </p:sp>
@@ -3947,7 +4093,7 @@
         </p:nvSpPr>
         <p:spPr>
           <a:xfrm>
-            <a:off x="6296332" y="3231863"/>
+            <a:off x="7948963" y="3265419"/>
             <a:ext cx="1699014" cy="873104"/>
           </a:xfrm>
           <a:prstGeom prst="rect">
@@ -3976,101 +4122,377 @@
           <a:p>
             <a:pPr algn="ctr"/>
             <a:r>
-              <a:rPr lang="de-CH" sz="1400" i="1" dirty="0" err="1"/>
-              <a:t>Function</a:t>
-            </a:r>
-            <a:br>
-              <a:rPr lang="de-CH" dirty="0"/>
-            </a:br>
-            <a:r>
-              <a:rPr lang="de-CH" dirty="0" err="1"/>
-              <a:t>CreateProduct</a:t>
-            </a:r>
-            <a:r>
-              <a:rPr lang="de-CH" dirty="0"/>
-              <a:t>()</a:t>
-            </a:r>
-          </a:p>
-        </p:txBody>
-      </p:sp>
-      <p:cxnSp>
-        <p:nvCxnSpPr>
-          <p:cNvPr id="9" name="Gerade Verbindung mit Pfeil 8">
-            <a:extLst>
-              <a:ext uri="{FF2B5EF4-FFF2-40B4-BE49-F238E27FC236}">
-                <a16:creationId xmlns:a16="http://schemas.microsoft.com/office/drawing/2014/main" id="{D37D5B8C-07B4-4EFF-9A71-37BE9C17F17D}"/>
-              </a:ext>
-            </a:extLst>
-          </p:cNvPr>
-          <p:cNvCxnSpPr/>
+              <a:rPr lang="de-CH" sz="1400" i="1" dirty="0"/>
+              <a:t>Entity</a:t>
+            </a:r>
+            <a:endParaRPr lang="de-CH" dirty="0"/>
+          </a:p>
+        </p:txBody>
+      </p:sp>
+      <p:sp>
+        <p:nvSpPr>
+          <p:cNvPr id="5" name="Pfeil: nach rechts 4">
+            <a:extLst>
+              <a:ext uri="{FF2B5EF4-FFF2-40B4-BE49-F238E27FC236}">
+                <a16:creationId xmlns:a16="http://schemas.microsoft.com/office/drawing/2014/main" id="{07DD227E-6884-4743-AC09-75BEB30F696E}"/>
+              </a:ext>
+            </a:extLst>
+          </p:cNvPr>
+          <p:cNvSpPr/>
           <p:nvPr/>
-        </p:nvCxnSpPr>
+        </p:nvSpPr>
         <p:spPr>
           <a:xfrm>
-            <a:off x="2937879" y="3692996"/>
-            <a:ext cx="813128" cy="0"/>
+            <a:off x="2399251" y="2910979"/>
+            <a:ext cx="1224792" cy="1568741"/>
           </a:xfrm>
-          <a:prstGeom prst="straightConnector1">
+          <a:prstGeom prst="rightArrow">
             <a:avLst/>
           </a:prstGeom>
-          <a:ln>
-            <a:tailEnd type="triangle"/>
-          </a:ln>
         </p:spPr>
         <p:style>
-          <a:lnRef idx="1">
-            <a:schemeClr val="accent1"/>
+          <a:lnRef idx="2">
+            <a:schemeClr val="accent1">
+              <a:shade val="50000"/>
+            </a:schemeClr>
           </a:lnRef>
-          <a:fillRef idx="0">
+          <a:fillRef idx="1">
             <a:schemeClr val="accent1"/>
           </a:fillRef>
           <a:effectRef idx="0">
             <a:schemeClr val="accent1"/>
           </a:effectRef>
           <a:fontRef idx="minor">
-            <a:schemeClr val="tx1"/>
+            <a:schemeClr val="lt1"/>
           </a:fontRef>
         </p:style>
-      </p:cxnSp>
-      <p:cxnSp>
-        <p:nvCxnSpPr>
-          <p:cNvPr id="10" name="Gerade Verbindung mit Pfeil 9">
-            <a:extLst>
-              <a:ext uri="{FF2B5EF4-FFF2-40B4-BE49-F238E27FC236}">
-                <a16:creationId xmlns:a16="http://schemas.microsoft.com/office/drawing/2014/main" id="{995E8899-46FA-4AA9-B6DD-4E849D9BB7EA}"/>
-              </a:ext>
-            </a:extLst>
-          </p:cNvPr>
-          <p:cNvCxnSpPr/>
+        <p:txBody>
+          <a:bodyPr rtlCol="0" anchor="ctr"/>
+          <a:lstStyle/>
+          <a:p>
+            <a:pPr algn="ctr"/>
+            <a:endParaRPr lang="de-CH" sz="1200" dirty="0"/>
+          </a:p>
+        </p:txBody>
+      </p:sp>
+      <p:sp>
+        <p:nvSpPr>
+          <p:cNvPr id="11" name="Rechteck 10">
+            <a:extLst>
+              <a:ext uri="{FF2B5EF4-FFF2-40B4-BE49-F238E27FC236}">
+                <a16:creationId xmlns:a16="http://schemas.microsoft.com/office/drawing/2014/main" id="{6E49CD41-AAF9-4092-BE78-1ECCE0A662F5}"/>
+              </a:ext>
+            </a:extLst>
+          </p:cNvPr>
+          <p:cNvSpPr/>
           <p:nvPr/>
-        </p:nvCxnSpPr>
+        </p:nvSpPr>
         <p:spPr>
           <a:xfrm>
-            <a:off x="5450021" y="3668415"/>
-            <a:ext cx="813128" cy="0"/>
+            <a:off x="4032773" y="5028505"/>
+            <a:ext cx="1699014" cy="873104"/>
           </a:xfrm>
-          <a:prstGeom prst="straightConnector1">
+          <a:prstGeom prst="rect">
             <a:avLst/>
           </a:prstGeom>
-          <a:ln>
-            <a:tailEnd type="triangle"/>
-          </a:ln>
         </p:spPr>
         <p:style>
-          <a:lnRef idx="1">
-            <a:schemeClr val="accent1"/>
+          <a:lnRef idx="2">
+            <a:schemeClr val="accent1">
+              <a:shade val="50000"/>
+            </a:schemeClr>
           </a:lnRef>
-          <a:fillRef idx="0">
+          <a:fillRef idx="1">
             <a:schemeClr val="accent1"/>
           </a:fillRef>
           <a:effectRef idx="0">
             <a:schemeClr val="accent1"/>
           </a:effectRef>
           <a:fontRef idx="minor">
-            <a:schemeClr val="tx1"/>
+            <a:schemeClr val="lt1"/>
           </a:fontRef>
         </p:style>
-      </p:cxnSp>
+        <p:txBody>
+          <a:bodyPr rtlCol="0" anchor="ctr"/>
+          <a:lstStyle/>
+          <a:p>
+            <a:pPr algn="ctr"/>
+            <a:r>
+              <a:rPr lang="de-CH" sz="1400" i="1" dirty="0" err="1"/>
+              <a:t>One</a:t>
+            </a:r>
+            <a:r>
+              <a:rPr lang="de-CH" sz="1400" i="1" dirty="0"/>
+              <a:t> </a:t>
+            </a:r>
+            <a:r>
+              <a:rPr lang="de-CH" sz="1400" i="1" dirty="0" err="1"/>
+              <a:t>Endpoint</a:t>
+            </a:r>
+            <a:endParaRPr lang="de-CH" dirty="0"/>
+          </a:p>
+        </p:txBody>
+      </p:sp>
+      <p:sp>
+        <p:nvSpPr>
+          <p:cNvPr id="12" name="Rechteck 11">
+            <a:extLst>
+              <a:ext uri="{FF2B5EF4-FFF2-40B4-BE49-F238E27FC236}">
+                <a16:creationId xmlns:a16="http://schemas.microsoft.com/office/drawing/2014/main" id="{173C95EC-0183-4000-9DF3-FB13862115A9}"/>
+              </a:ext>
+            </a:extLst>
+          </p:cNvPr>
+          <p:cNvSpPr/>
+          <p:nvPr/>
+        </p:nvSpPr>
+        <p:spPr>
+          <a:xfrm>
+            <a:off x="5990868" y="5028505"/>
+            <a:ext cx="1699014" cy="873104"/>
+          </a:xfrm>
+          <a:prstGeom prst="rect">
+            <a:avLst/>
+          </a:prstGeom>
+        </p:spPr>
+        <p:style>
+          <a:lnRef idx="2">
+            <a:schemeClr val="accent1">
+              <a:shade val="50000"/>
+            </a:schemeClr>
+          </a:lnRef>
+          <a:fillRef idx="1">
+            <a:schemeClr val="accent1"/>
+          </a:fillRef>
+          <a:effectRef idx="0">
+            <a:schemeClr val="accent1"/>
+          </a:effectRef>
+          <a:fontRef idx="minor">
+            <a:schemeClr val="lt1"/>
+          </a:fontRef>
+        </p:style>
+        <p:txBody>
+          <a:bodyPr rtlCol="0" anchor="ctr"/>
+          <a:lstStyle/>
+          <a:p>
+            <a:pPr algn="ctr"/>
+            <a:r>
+              <a:rPr lang="de-CH" sz="1400" i="1" dirty="0"/>
+              <a:t>Schema</a:t>
+            </a:r>
+            <a:endParaRPr lang="de-CH" dirty="0"/>
+          </a:p>
+        </p:txBody>
+      </p:sp>
+      <p:sp>
+        <p:nvSpPr>
+          <p:cNvPr id="13" name="Rechteck 12">
+            <a:extLst>
+              <a:ext uri="{FF2B5EF4-FFF2-40B4-BE49-F238E27FC236}">
+                <a16:creationId xmlns:a16="http://schemas.microsoft.com/office/drawing/2014/main" id="{F61AFB92-46D8-43C7-8870-72ED12755CD7}"/>
+              </a:ext>
+            </a:extLst>
+          </p:cNvPr>
+          <p:cNvSpPr/>
+          <p:nvPr/>
+        </p:nvSpPr>
+        <p:spPr>
+          <a:xfrm>
+            <a:off x="7948963" y="5028505"/>
+            <a:ext cx="1699014" cy="873104"/>
+          </a:xfrm>
+          <a:prstGeom prst="rect">
+            <a:avLst/>
+          </a:prstGeom>
+        </p:spPr>
+        <p:style>
+          <a:lnRef idx="2">
+            <a:schemeClr val="accent1">
+              <a:shade val="50000"/>
+            </a:schemeClr>
+          </a:lnRef>
+          <a:fillRef idx="1">
+            <a:schemeClr val="accent1"/>
+          </a:fillRef>
+          <a:effectRef idx="0">
+            <a:schemeClr val="accent1"/>
+          </a:effectRef>
+          <a:fontRef idx="minor">
+            <a:schemeClr val="lt1"/>
+          </a:fontRef>
+        </p:style>
+        <p:txBody>
+          <a:bodyPr rtlCol="0" anchor="ctr"/>
+          <a:lstStyle/>
+          <a:p>
+            <a:pPr algn="ctr"/>
+            <a:r>
+              <a:rPr lang="de-CH" sz="1400" i="1" dirty="0"/>
+              <a:t>Entity</a:t>
+            </a:r>
+            <a:endParaRPr lang="de-CH" dirty="0"/>
+          </a:p>
+        </p:txBody>
+      </p:sp>
+      <p:sp>
+        <p:nvSpPr>
+          <p:cNvPr id="14" name="Pfeil: nach rechts 13">
+            <a:extLst>
+              <a:ext uri="{FF2B5EF4-FFF2-40B4-BE49-F238E27FC236}">
+                <a16:creationId xmlns:a16="http://schemas.microsoft.com/office/drawing/2014/main" id="{2D3B0978-B5BE-42E5-A87B-04C67300A9D2}"/>
+              </a:ext>
+            </a:extLst>
+          </p:cNvPr>
+          <p:cNvSpPr/>
+          <p:nvPr/>
+        </p:nvSpPr>
+        <p:spPr>
+          <a:xfrm>
+            <a:off x="2459372" y="4672473"/>
+            <a:ext cx="1224792" cy="1568741"/>
+          </a:xfrm>
+          <a:prstGeom prst="rightArrow">
+            <a:avLst/>
+          </a:prstGeom>
+        </p:spPr>
+        <p:style>
+          <a:lnRef idx="2">
+            <a:schemeClr val="accent1">
+              <a:shade val="50000"/>
+            </a:schemeClr>
+          </a:lnRef>
+          <a:fillRef idx="1">
+            <a:schemeClr val="accent1"/>
+          </a:fillRef>
+          <a:effectRef idx="0">
+            <a:schemeClr val="accent1"/>
+          </a:effectRef>
+          <a:fontRef idx="minor">
+            <a:schemeClr val="lt1"/>
+          </a:fontRef>
+        </p:style>
+        <p:txBody>
+          <a:bodyPr rtlCol="0" anchor="ctr"/>
+          <a:lstStyle/>
+          <a:p>
+            <a:pPr algn="ctr"/>
+            <a:endParaRPr lang="de-CH" sz="1200" dirty="0"/>
+          </a:p>
+        </p:txBody>
+      </p:sp>
+      <p:sp>
+        <p:nvSpPr>
+          <p:cNvPr id="15" name="Rechteck 14">
+            <a:extLst>
+              <a:ext uri="{FF2B5EF4-FFF2-40B4-BE49-F238E27FC236}">
+                <a16:creationId xmlns:a16="http://schemas.microsoft.com/office/drawing/2014/main" id="{2C2FDFFD-3F3A-4ACF-8713-7DD407553A9C}"/>
+              </a:ext>
+            </a:extLst>
+          </p:cNvPr>
+          <p:cNvSpPr/>
+          <p:nvPr/>
+        </p:nvSpPr>
+        <p:spPr>
+          <a:xfrm>
+            <a:off x="4185173" y="3417819"/>
+            <a:ext cx="1699014" cy="873104"/>
+          </a:xfrm>
+          <a:prstGeom prst="rect">
+            <a:avLst/>
+          </a:prstGeom>
+        </p:spPr>
+        <p:style>
+          <a:lnRef idx="2">
+            <a:schemeClr val="accent1">
+              <a:shade val="50000"/>
+            </a:schemeClr>
+          </a:lnRef>
+          <a:fillRef idx="1">
+            <a:schemeClr val="accent1"/>
+          </a:fillRef>
+          <a:effectRef idx="0">
+            <a:schemeClr val="accent1"/>
+          </a:effectRef>
+          <a:fontRef idx="minor">
+            <a:schemeClr val="lt1"/>
+          </a:fontRef>
+        </p:style>
+        <p:txBody>
+          <a:bodyPr rtlCol="0" anchor="ctr"/>
+          <a:lstStyle/>
+          <a:p>
+            <a:pPr algn="ctr"/>
+            <a:r>
+              <a:rPr lang="de-CH" sz="1400" i="1" dirty="0"/>
+              <a:t>Multiple</a:t>
+            </a:r>
+            <a:br>
+              <a:rPr lang="de-CH" sz="1400" i="1" dirty="0"/>
+            </a:br>
+            <a:r>
+              <a:rPr lang="de-CH" sz="1400" i="1" dirty="0"/>
+              <a:t>Controllers</a:t>
+            </a:r>
+            <a:endParaRPr lang="de-CH" dirty="0"/>
+          </a:p>
+        </p:txBody>
+      </p:sp>
+      <p:sp>
+        <p:nvSpPr>
+          <p:cNvPr id="16" name="Rechteck 15">
+            <a:extLst>
+              <a:ext uri="{FF2B5EF4-FFF2-40B4-BE49-F238E27FC236}">
+                <a16:creationId xmlns:a16="http://schemas.microsoft.com/office/drawing/2014/main" id="{DDDA7284-8C10-436A-A032-4702368B6D02}"/>
+              </a:ext>
+            </a:extLst>
+          </p:cNvPr>
+          <p:cNvSpPr/>
+          <p:nvPr/>
+        </p:nvSpPr>
+        <p:spPr>
+          <a:xfrm>
+            <a:off x="4335587" y="3606616"/>
+            <a:ext cx="1699014" cy="873104"/>
+          </a:xfrm>
+          <a:prstGeom prst="rect">
+            <a:avLst/>
+          </a:prstGeom>
+        </p:spPr>
+        <p:style>
+          <a:lnRef idx="2">
+            <a:schemeClr val="accent1">
+              <a:shade val="50000"/>
+            </a:schemeClr>
+          </a:lnRef>
+          <a:fillRef idx="1">
+            <a:schemeClr val="accent1"/>
+          </a:fillRef>
+          <a:effectRef idx="0">
+            <a:schemeClr val="accent1"/>
+          </a:effectRef>
+          <a:fontRef idx="minor">
+            <a:schemeClr val="lt1"/>
+          </a:fontRef>
+        </p:style>
+        <p:txBody>
+          <a:bodyPr rtlCol="0" anchor="ctr"/>
+          <a:lstStyle/>
+          <a:p>
+            <a:pPr algn="ctr"/>
+            <a:r>
+              <a:rPr lang="de-CH" sz="1400" i="1" dirty="0"/>
+              <a:t>Multiple</a:t>
+            </a:r>
+            <a:br>
+              <a:rPr lang="de-CH" sz="1400" i="1" dirty="0"/>
+            </a:br>
+            <a:r>
+              <a:rPr lang="de-CH" sz="1400" i="1" dirty="0"/>
+              <a:t>Endpoints</a:t>
+            </a:r>
+            <a:endParaRPr lang="de-CH" dirty="0"/>
+          </a:p>
+        </p:txBody>
+      </p:sp>
     </p:spTree>
     <p:extLst>
       <p:ext uri="{BB962C8B-B14F-4D97-AF65-F5344CB8AC3E}">
@@ -4106,209 +4528,6 @@
           <p:cNvPr id="2" name="Titel 1">
             <a:extLst>
               <a:ext uri="{FF2B5EF4-FFF2-40B4-BE49-F238E27FC236}">
-                <a16:creationId xmlns:a16="http://schemas.microsoft.com/office/drawing/2014/main" id="{8C11B504-A7EA-482C-8F12-78AF3D974303}"/>
-              </a:ext>
-            </a:extLst>
-          </p:cNvPr>
-          <p:cNvSpPr>
-            <a:spLocks noGrp="1"/>
-          </p:cNvSpPr>
-          <p:nvPr>
-            <p:ph type="title"/>
-          </p:nvPr>
-        </p:nvSpPr>
-        <p:spPr/>
-        <p:txBody>
-          <a:bodyPr/>
-          <a:lstStyle/>
-          <a:p>
-            <a:r>
-              <a:rPr lang="de-CH" dirty="0"/>
-              <a:t>Demo mache am </a:t>
-            </a:r>
-            <a:r>
-              <a:rPr lang="de-CH" dirty="0" err="1"/>
-              <a:t>schluss</a:t>
-            </a:r>
-            <a:r>
-              <a:rPr lang="de-CH" dirty="0"/>
-              <a:t> </a:t>
-            </a:r>
-            <a:r>
-              <a:rPr lang="de-CH" dirty="0" err="1"/>
-              <a:t>velecht</a:t>
-            </a:r>
-            <a:r>
-              <a:rPr lang="de-CH" dirty="0"/>
-              <a:t> </a:t>
-            </a:r>
-            <a:r>
-              <a:rPr lang="de-CH" dirty="0" err="1"/>
-              <a:t>no</a:t>
-            </a:r>
-            <a:r>
-              <a:rPr lang="de-CH" dirty="0"/>
-              <a:t> wenn das sinnvoll </a:t>
-            </a:r>
-            <a:r>
-              <a:rPr lang="de-CH" dirty="0" err="1"/>
-              <a:t>esch</a:t>
-            </a:r>
-            <a:endParaRPr lang="de-CH" dirty="0"/>
-          </a:p>
-        </p:txBody>
-      </p:sp>
-      <p:sp>
-        <p:nvSpPr>
-          <p:cNvPr id="3" name="Inhaltsplatzhalter 2">
-            <a:extLst>
-              <a:ext uri="{FF2B5EF4-FFF2-40B4-BE49-F238E27FC236}">
-                <a16:creationId xmlns:a16="http://schemas.microsoft.com/office/drawing/2014/main" id="{23D5145D-310C-46FE-A3D6-4C1BF7C3FA0C}"/>
-              </a:ext>
-            </a:extLst>
-          </p:cNvPr>
-          <p:cNvSpPr>
-            <a:spLocks noGrp="1"/>
-          </p:cNvSpPr>
-          <p:nvPr>
-            <p:ph idx="1"/>
-          </p:nvPr>
-        </p:nvSpPr>
-        <p:spPr/>
-        <p:txBody>
-          <a:bodyPr/>
-          <a:lstStyle/>
-          <a:p>
-            <a:endParaRPr lang="de-CH" dirty="0"/>
-          </a:p>
-        </p:txBody>
-      </p:sp>
-    </p:spTree>
-    <p:extLst>
-      <p:ext uri="{BB962C8B-B14F-4D97-AF65-F5344CB8AC3E}">
-        <p14:creationId xmlns:p14="http://schemas.microsoft.com/office/powerpoint/2010/main" val="3875593745"/>
-      </p:ext>
-    </p:extLst>
-  </p:cSld>
-  <p:clrMapOvr>
-    <a:masterClrMapping/>
-  </p:clrMapOvr>
-</p:sld>
-</file>
-
-<file path=ppt/slides/slide5.xml><?xml version="1.0" encoding="utf-8"?>
-<p:sld xmlns:a="http://schemas.openxmlformats.org/drawingml/2006/main" xmlns:r="http://schemas.openxmlformats.org/officeDocument/2006/relationships" xmlns:p="http://schemas.openxmlformats.org/presentationml/2006/main">
-  <p:cSld>
-    <p:spTree>
-      <p:nvGrpSpPr>
-        <p:cNvPr id="1" name=""/>
-        <p:cNvGrpSpPr/>
-        <p:nvPr/>
-      </p:nvGrpSpPr>
-      <p:grpSpPr>
-        <a:xfrm>
-          <a:off x="0" y="0"/>
-          <a:ext cx="0" cy="0"/>
-          <a:chOff x="0" y="0"/>
-          <a:chExt cx="0" cy="0"/>
-        </a:xfrm>
-      </p:grpSpPr>
-      <p:sp>
-        <p:nvSpPr>
-          <p:cNvPr id="2" name="Titel 1">
-            <a:extLst>
-              <a:ext uri="{FF2B5EF4-FFF2-40B4-BE49-F238E27FC236}">
-                <a16:creationId xmlns:a16="http://schemas.microsoft.com/office/drawing/2014/main" id="{A2C97773-2DC3-4EB9-AC97-6E5B4D13ACFB}"/>
-              </a:ext>
-            </a:extLst>
-          </p:cNvPr>
-          <p:cNvSpPr>
-            <a:spLocks noGrp="1"/>
-          </p:cNvSpPr>
-          <p:nvPr>
-            <p:ph type="title"/>
-          </p:nvPr>
-        </p:nvSpPr>
-        <p:spPr/>
-        <p:txBody>
-          <a:bodyPr/>
-          <a:lstStyle/>
-          <a:p>
-            <a:r>
-              <a:rPr lang="de-CH" dirty="0"/>
-              <a:t>Wann soll man </a:t>
-            </a:r>
-            <a:r>
-              <a:rPr lang="de-CH" dirty="0" err="1"/>
-              <a:t>GraphQL</a:t>
-            </a:r>
-            <a:r>
-              <a:rPr lang="de-CH" dirty="0"/>
-              <a:t> einsetzen</a:t>
-            </a:r>
-          </a:p>
-        </p:txBody>
-      </p:sp>
-      <p:sp>
-        <p:nvSpPr>
-          <p:cNvPr id="3" name="Inhaltsplatzhalter 2">
-            <a:extLst>
-              <a:ext uri="{FF2B5EF4-FFF2-40B4-BE49-F238E27FC236}">
-                <a16:creationId xmlns:a16="http://schemas.microsoft.com/office/drawing/2014/main" id="{4F86E9F5-41C1-4B86-9FDB-8206419F561C}"/>
-              </a:ext>
-            </a:extLst>
-          </p:cNvPr>
-          <p:cNvSpPr>
-            <a:spLocks noGrp="1"/>
-          </p:cNvSpPr>
-          <p:nvPr>
-            <p:ph idx="1"/>
-          </p:nvPr>
-        </p:nvSpPr>
-        <p:spPr/>
-        <p:txBody>
-          <a:bodyPr/>
-          <a:lstStyle/>
-          <a:p>
-            <a:endParaRPr lang="de-CH"/>
-          </a:p>
-        </p:txBody>
-      </p:sp>
-    </p:spTree>
-    <p:extLst>
-      <p:ext uri="{BB962C8B-B14F-4D97-AF65-F5344CB8AC3E}">
-        <p14:creationId xmlns:p14="http://schemas.microsoft.com/office/powerpoint/2010/main" val="1970712716"/>
-      </p:ext>
-    </p:extLst>
-  </p:cSld>
-  <p:clrMapOvr>
-    <a:masterClrMapping/>
-  </p:clrMapOvr>
-</p:sld>
-</file>
-
-<file path=ppt/slides/slide6.xml><?xml version="1.0" encoding="utf-8"?>
-<p:sld xmlns:a="http://schemas.openxmlformats.org/drawingml/2006/main" xmlns:r="http://schemas.openxmlformats.org/officeDocument/2006/relationships" xmlns:p="http://schemas.openxmlformats.org/presentationml/2006/main">
-  <p:cSld>
-    <p:spTree>
-      <p:nvGrpSpPr>
-        <p:cNvPr id="1" name=""/>
-        <p:cNvGrpSpPr/>
-        <p:nvPr/>
-      </p:nvGrpSpPr>
-      <p:grpSpPr>
-        <a:xfrm>
-          <a:off x="0" y="0"/>
-          <a:ext cx="0" cy="0"/>
-          <a:chOff x="0" y="0"/>
-          <a:chExt cx="0" cy="0"/>
-        </a:xfrm>
-      </p:grpSpPr>
-      <p:sp>
-        <p:nvSpPr>
-          <p:cNvPr id="2" name="Titel 1">
-            <a:extLst>
-              <a:ext uri="{FF2B5EF4-FFF2-40B4-BE49-F238E27FC236}">
                 <a16:creationId xmlns:a16="http://schemas.microsoft.com/office/drawing/2014/main" id="{817AAD64-D885-42BD-B3D0-993EB5B63DE8}"/>
               </a:ext>
             </a:extLst>
@@ -4329,31 +4548,6 @@
               <a:rPr lang="de-CH" dirty="0"/>
               <a:t>Demo </a:t>
             </a:r>
-          </a:p>
-        </p:txBody>
-      </p:sp>
-      <p:sp>
-        <p:nvSpPr>
-          <p:cNvPr id="3" name="Inhaltsplatzhalter 2">
-            <a:extLst>
-              <a:ext uri="{FF2B5EF4-FFF2-40B4-BE49-F238E27FC236}">
-                <a16:creationId xmlns:a16="http://schemas.microsoft.com/office/drawing/2014/main" id="{9459CA1F-2B51-4163-B5A1-8BFCD961C8D8}"/>
-              </a:ext>
-            </a:extLst>
-          </p:cNvPr>
-          <p:cNvSpPr>
-            <a:spLocks noGrp="1"/>
-          </p:cNvSpPr>
-          <p:nvPr>
-            <p:ph idx="1"/>
-          </p:nvPr>
-        </p:nvSpPr>
-        <p:spPr/>
-        <p:txBody>
-          <a:bodyPr/>
-          <a:lstStyle/>
-          <a:p>
-            <a:endParaRPr lang="de-CH" dirty="0"/>
           </a:p>
         </p:txBody>
       </p:sp>
